--- a/01 Classes/Aula11 - Arquitetura - Tecnologias Processadores Fabricantes.pptx
+++ b/01 Classes/Aula11 - Arquitetura - Tecnologias Processadores Fabricantes.pptx
@@ -289,7 +289,7 @@
       </p15:sldGuideLst>
     </p:ext>
     <p:ext uri="http://customooxmlschemas.google.com/">
-      <go:slidesCustomData xmlns="" xmlns:mc="http://schemas.openxmlformats.org/markup-compatibility/2006" xmlns:mv="urn:schemas-microsoft-com:mac:vml" xmlns:c="http://schemas.openxmlformats.org/drawingml/2006/chart" xmlns:dgm="http://schemas.openxmlformats.org/drawingml/2006/diagram" xmlns:o="urn:schemas-microsoft-com:office:office" xmlns:v="urn:schemas-microsoft-com:vml" xmlns:pvml="urn:schemas-microsoft-com:office:powerpoint" xmlns:com="http://schemas.openxmlformats.org/drawingml/2006/compatibility" xmlns:p14="http://schemas.microsoft.com/office/powerpoint/2010/main" xmlns:p15="http://schemas.microsoft.com/office/powerpoint/2012/main" xmlns:ahyp="http://schemas.microsoft.com/office/drawing/2018/hyperlinkcolor" xmlns:go="http://customooxmlschemas.google.com/" r:id="rId40" roundtripDataSignature="AMtx7mhcArXlzHcpK6Nv9sFfJrMbWkVSyg=="/>
+      <go:slidesCustomData xmlns:go="http://customooxmlschemas.google.com/" xmlns:ahyp="http://schemas.microsoft.com/office/drawing/2018/hyperlinkcolor" xmlns:p15="http://schemas.microsoft.com/office/powerpoint/2012/main" xmlns:p14="http://schemas.microsoft.com/office/powerpoint/2010/main" xmlns:com="http://schemas.openxmlformats.org/drawingml/2006/compatibility" xmlns:pvml="urn:schemas-microsoft-com:office:powerpoint" xmlns:v="urn:schemas-microsoft-com:vml" xmlns:o="urn:schemas-microsoft-com:office:office" xmlns:dgm="http://schemas.openxmlformats.org/drawingml/2006/diagram" xmlns:c="http://schemas.openxmlformats.org/drawingml/2006/chart" xmlns:mv="urn:schemas-microsoft-com:mac:vml" xmlns:mc="http://schemas.openxmlformats.org/markup-compatibility/2006" xmlns="" r:id="rId40" roundtripDataSignature="AMtx7mhcArXlzHcpK6Nv9sFfJrMbWkVSyg=="/>
     </p:ext>
   </p:extLst>
 </p:presentation>
@@ -3526,7 +3526,7 @@
               </a:spcAft>
               <a:buNone/>
             </a:pPr>
-            <a:endParaRPr/>
+            <a:endParaRPr dirty="0"/>
           </a:p>
         </p:txBody>
       </p:sp>
@@ -3542,8 +3542,8 @@
         </p:nvSpPr>
         <p:spPr>
           <a:xfrm>
-            <a:off x="1143225" y="685800"/>
-            <a:ext cx="4572225" cy="3429000"/>
+            <a:off x="1143000" y="685800"/>
+            <a:ext cx="4572000" cy="3429000"/>
           </a:xfrm>
           <a:custGeom>
             <a:avLst/>
@@ -30339,7 +30339,7 @@
               <a:buChar char="🞂"/>
             </a:pPr>
             <a:r>
-              <a:rPr lang="pt-BR" sz="2200" b="1" i="0" u="none" strike="noStrike" cap="none">
+              <a:rPr lang="pt-BR" sz="2200" b="1" i="0" u="none" strike="noStrike" cap="none" dirty="0">
                 <a:solidFill>
                   <a:schemeClr val="dk1"/>
                 </a:solidFill>
@@ -30348,9 +30348,21 @@
                 <a:cs typeface="Arial"/>
                 <a:sym typeface="Arial"/>
               </a:rPr>
-              <a:t>Tecnologia Hyper-Threading</a:t>
+              <a:t>Tecnologia Hyper-</a:t>
             </a:r>
-            <a:endParaRPr sz="2200" b="1" i="0" u="none" strike="noStrike" cap="none">
+            <a:r>
+              <a:rPr lang="pt-BR" sz="2200" b="1" i="0" u="none" strike="noStrike" cap="none" dirty="0" err="1">
+                <a:solidFill>
+                  <a:schemeClr val="dk1"/>
+                </a:solidFill>
+                <a:latin typeface="Arial"/>
+                <a:ea typeface="Arial"/>
+                <a:cs typeface="Arial"/>
+                <a:sym typeface="Arial"/>
+              </a:rPr>
+              <a:t>Threading</a:t>
+            </a:r>
+            <a:endParaRPr sz="2200" b="1" i="0" u="none" strike="noStrike" cap="none" dirty="0">
               <a:solidFill>
                 <a:schemeClr val="dk1"/>
               </a:solidFill>
@@ -30370,8 +30382,8 @@
         </p:nvSpPr>
         <p:spPr>
           <a:xfrm>
-            <a:off x="4067944" y="5332174"/>
-            <a:ext cx="5082520" cy="461665"/>
+            <a:off x="1340069" y="5467131"/>
+            <a:ext cx="7192371" cy="584735"/>
           </a:xfrm>
           <a:prstGeom prst="rect">
             <a:avLst/>
@@ -30400,7 +30412,7 @@
               <a:buNone/>
             </a:pPr>
             <a:r>
-              <a:rPr lang="pt-BR" sz="1200" b="0" i="0" u="none" strike="noStrike" cap="none">
+              <a:rPr lang="en-US" sz="1600" b="1" i="0" u="none" strike="noStrike" cap="none" dirty="0" err="1">
                 <a:solidFill>
                   <a:srgbClr val="000000"/>
                 </a:solidFill>
@@ -30409,9 +30421,84 @@
                 <a:cs typeface="Arial"/>
                 <a:sym typeface="Arial"/>
               </a:rPr>
-              <a:t>Fonte: https://www.hardware.com.br/guias/historia-processadores/hyper-threading.html</a:t>
+              <a:t>Tecnologia</a:t>
             </a:r>
-            <a:endParaRPr/>
+            <a:r>
+              <a:rPr lang="en-US" sz="1600" b="1" i="0" u="none" strike="noStrike" cap="none" dirty="0">
+                <a:solidFill>
+                  <a:srgbClr val="000000"/>
+                </a:solidFill>
+                <a:latin typeface="Arial"/>
+                <a:ea typeface="Arial"/>
+                <a:cs typeface="Arial"/>
+                <a:sym typeface="Arial"/>
+              </a:rPr>
+              <a:t> hyper threading - Intel; simultaneous multithreading - AMD</a:t>
+            </a:r>
+          </a:p>
+          <a:p>
+            <a:pPr marL="0" marR="0" lvl="0" indent="0" algn="l" rtl="0">
+              <a:lnSpc>
+                <a:spcPct val="100000"/>
+              </a:lnSpc>
+              <a:spcBef>
+                <a:spcPts val="0"/>
+              </a:spcBef>
+              <a:spcAft>
+                <a:spcPts val="0"/>
+              </a:spcAft>
+              <a:buNone/>
+            </a:pPr>
+            <a:r>
+              <a:rPr lang="en-US" sz="1600" b="0" i="0" u="none" strike="noStrike" cap="none" dirty="0">
+                <a:solidFill>
+                  <a:srgbClr val="000000"/>
+                </a:solidFill>
+                <a:latin typeface="Arial"/>
+                <a:ea typeface="Arial"/>
+                <a:cs typeface="Arial"/>
+                <a:sym typeface="Arial"/>
+                <a:hlinkClick r:id="rId4"/>
+              </a:rPr>
+              <a:t>https://youtu.be/yPPqXqikCj4</a:t>
+            </a:r>
+            <a:r>
+              <a:rPr lang="en-US" sz="1600" b="0" i="0" u="none" strike="noStrike" cap="none" dirty="0">
+                <a:solidFill>
+                  <a:srgbClr val="000000"/>
+                </a:solidFill>
+                <a:latin typeface="Arial"/>
+                <a:ea typeface="Arial"/>
+                <a:cs typeface="Arial"/>
+                <a:sym typeface="Arial"/>
+              </a:rPr>
+              <a:t>   ;    </a:t>
+            </a:r>
+            <a:r>
+              <a:rPr lang="en-US" sz="1600" b="0" i="0" u="none" strike="noStrike" cap="none" dirty="0">
+                <a:solidFill>
+                  <a:srgbClr val="000000"/>
+                </a:solidFill>
+                <a:latin typeface="Arial"/>
+                <a:ea typeface="Arial"/>
+                <a:cs typeface="Arial"/>
+                <a:sym typeface="Arial"/>
+                <a:hlinkClick r:id="rId5"/>
+              </a:rPr>
+              <a:t>https://youtu.be/b2BwrI_xJQg</a:t>
+            </a:r>
+            <a:r>
+              <a:rPr lang="en-US" sz="1600" b="0" i="0" u="none" strike="noStrike" cap="none" dirty="0">
+                <a:solidFill>
+                  <a:srgbClr val="000000"/>
+                </a:solidFill>
+                <a:latin typeface="Arial"/>
+                <a:ea typeface="Arial"/>
+                <a:cs typeface="Arial"/>
+                <a:sym typeface="Arial"/>
+              </a:rPr>
+              <a:t> </a:t>
+            </a:r>
           </a:p>
         </p:txBody>
       </p:sp>
@@ -30422,7 +30509,7 @@
           <p:nvPr/>
         </p:nvPicPr>
         <p:blipFill rotWithShape="1">
-          <a:blip r:embed="rId4">
+          <a:blip r:embed="rId6">
             <a:alphaModFix/>
           </a:blip>
           <a:srcRect/>
